--- a/Project Presentation Group No - 12.pptx
+++ b/Project Presentation Group No - 12.pptx
@@ -289,7 +289,7 @@
       <p15:sldGuideLst xmlns:p15="http://schemas.microsoft.com/office/powerpoint/2012/main"/>
     </p:ext>
     <p:ext uri="GoogleSlidesCustomDataVersion2">
-      <go:slidesCustomData xmlns:go="http://customooxmlschemas.google.com/" xmlns:ahyp="http://schemas.microsoft.com/office/drawing/2018/hyperlinkcolor" xmlns:p15="http://schemas.microsoft.com/office/powerpoint/2012/main" xmlns:p14="http://schemas.microsoft.com/office/powerpoint/2010/main" xmlns:com="http://schemas.openxmlformats.org/drawingml/2006/compatibility" xmlns:pvml="urn:schemas-microsoft-com:office:powerpoint" xmlns:v="urn:schemas-microsoft-com:vml" xmlns:o="urn:schemas-microsoft-com:office:office" xmlns:dgm="http://schemas.openxmlformats.org/drawingml/2006/diagram" xmlns:c="http://schemas.openxmlformats.org/drawingml/2006/chart" xmlns:mv="urn:schemas-microsoft-com:mac:vml" xmlns:mc="http://schemas.openxmlformats.org/markup-compatibility/2006" xmlns="" r:id="rId47" roundtripDataSignature="AMtx7mgLOlwcEu8Z415uoH1sW+cE4jZPyg=="/>
+      <go:slidesCustomData xmlns="" xmlns:mc="http://schemas.openxmlformats.org/markup-compatibility/2006" xmlns:mv="urn:schemas-microsoft-com:mac:vml" xmlns:c="http://schemas.openxmlformats.org/drawingml/2006/chart" xmlns:dgm="http://schemas.openxmlformats.org/drawingml/2006/diagram" xmlns:o="urn:schemas-microsoft-com:office:office" xmlns:v="urn:schemas-microsoft-com:vml" xmlns:pvml="urn:schemas-microsoft-com:office:powerpoint" xmlns:com="http://schemas.openxmlformats.org/drawingml/2006/compatibility" xmlns:p14="http://schemas.microsoft.com/office/powerpoint/2010/main" xmlns:p15="http://schemas.microsoft.com/office/powerpoint/2012/main" xmlns:ahyp="http://schemas.microsoft.com/office/drawing/2018/hyperlinkcolor" xmlns:go="http://customooxmlschemas.google.com/" r:id="rId47" roundtripDataSignature="AMtx7mgLOlwcEu8Z415uoH1sW+cE4jZPyg=="/>
     </p:ext>
   </p:extLst>
 </p:presentation>
@@ -12943,13 +12943,13 @@
   <p:clrMapOvr>
     <a:masterClrMapping/>
   </p:clrMapOvr>
-  <mc:AlternateContent xmlns:mc="http://schemas.openxmlformats.org/markup-compatibility/2006">
-    <mc:Choice xmlns:p159="http://schemas.microsoft.com/office/powerpoint/2015/09/main" Requires="p159">
+  <mc:AlternateContent xmlns:mc="http://schemas.openxmlformats.org/markup-compatibility/2006" xmlns:p159="http://schemas.microsoft.com/office/powerpoint/2015/09/main">
+    <mc:Choice Requires="p159">
       <p:transition xmlns:p14="http://schemas.microsoft.com/office/powerpoint/2010/main" spd="slow" p14:dur="2000">
         <p159:morph option="byObject"/>
       </p:transition>
     </mc:Choice>
-    <mc:Fallback>
+    <mc:Fallback xmlns="">
       <p:transition spd="slow">
         <p:fade/>
       </p:transition>
@@ -13069,13 +13069,13 @@
   <p:clrMapOvr>
     <a:masterClrMapping/>
   </p:clrMapOvr>
-  <mc:AlternateContent xmlns:mc="http://schemas.openxmlformats.org/markup-compatibility/2006">
-    <mc:Choice xmlns:p159="http://schemas.microsoft.com/office/powerpoint/2015/09/main" Requires="p159">
+  <mc:AlternateContent xmlns:mc="http://schemas.openxmlformats.org/markup-compatibility/2006" xmlns:p159="http://schemas.microsoft.com/office/powerpoint/2015/09/main">
+    <mc:Choice Requires="p159">
       <p:transition xmlns:p14="http://schemas.microsoft.com/office/powerpoint/2010/main" spd="slow" p14:dur="2000">
         <p159:morph option="byObject"/>
       </p:transition>
     </mc:Choice>
-    <mc:Fallback>
+    <mc:Fallback xmlns="">
       <p:transition spd="slow">
         <p:fade/>
       </p:transition>
@@ -20225,13 +20225,13 @@
   <p:clrMapOvr>
     <a:masterClrMapping/>
   </p:clrMapOvr>
-  <mc:AlternateContent xmlns:mc="http://schemas.openxmlformats.org/markup-compatibility/2006">
-    <mc:Choice xmlns:p159="http://schemas.microsoft.com/office/powerpoint/2015/09/main" Requires="p159">
+  <mc:AlternateContent xmlns:mc="http://schemas.openxmlformats.org/markup-compatibility/2006" xmlns:p159="http://schemas.microsoft.com/office/powerpoint/2015/09/main">
+    <mc:Choice Requires="p159">
       <p:transition xmlns:p14="http://schemas.microsoft.com/office/powerpoint/2010/main" spd="slow" p14:dur="2000">
         <p159:morph option="byObject"/>
       </p:transition>
     </mc:Choice>
-    <mc:Fallback>
+    <mc:Fallback xmlns="">
       <p:transition spd="slow">
         <p:fade/>
       </p:transition>
@@ -20351,13 +20351,13 @@
   <p:clrMapOvr>
     <a:masterClrMapping/>
   </p:clrMapOvr>
-  <mc:AlternateContent xmlns:mc="http://schemas.openxmlformats.org/markup-compatibility/2006">
-    <mc:Choice xmlns:p159="http://schemas.microsoft.com/office/powerpoint/2015/09/main" Requires="p159">
+  <mc:AlternateContent xmlns:mc="http://schemas.openxmlformats.org/markup-compatibility/2006" xmlns:p159="http://schemas.microsoft.com/office/powerpoint/2015/09/main">
+    <mc:Choice Requires="p159">
       <p:transition xmlns:p14="http://schemas.microsoft.com/office/powerpoint/2010/main" spd="slow" p14:dur="2000">
         <p159:morph option="byObject"/>
       </p:transition>
     </mc:Choice>
-    <mc:Fallback>
+    <mc:Fallback xmlns="">
       <p:transition spd="slow">
         <p:fade/>
       </p:transition>
